--- a/Meeting Docs/UROC Poster.pptx
+++ b/Meeting Docs/UROC Poster.pptx
@@ -238,7 +238,7 @@
           <a:p>
             <a:fld id="{48AE12B5-53C1-4BA7-8E19-021B2F3459A2}" type="datetimeFigureOut">
               <a:rPr lang="en-US" smtClean="0"/>
-              <a:t>7/26/2019</a:t>
+              <a:t>8/6/2019</a:t>
             </a:fld>
             <a:endParaRPr lang="en-US"/>
           </a:p>
@@ -11224,8 +11224,8 @@
           </p:sp>
         </mc:Fallback>
       </mc:AlternateContent>
-      <mc:AlternateContent xmlns:mc="http://schemas.openxmlformats.org/markup-compatibility/2006">
-        <mc:Choice xmlns:a14="http://schemas.microsoft.com/office/drawing/2010/main" Requires="a14">
+      <mc:AlternateContent xmlns:mc="http://schemas.openxmlformats.org/markup-compatibility/2006" xmlns:a14="http://schemas.microsoft.com/office/drawing/2010/main">
+        <mc:Choice Requires="a14">
           <p:sp>
             <p:nvSpPr>
               <p:cNvPr id="52" name="Rectangle 51">
@@ -11327,7 +11327,7 @@
             </p:txBody>
           </p:sp>
         </mc:Choice>
-        <mc:Fallback>
+        <mc:Fallback xmlns="">
           <p:sp>
             <p:nvSpPr>
               <p:cNvPr id="52" name="Rectangle 51">
@@ -11868,8 +11868,8 @@
           </a:p>
         </p:txBody>
       </p:sp>
-      <mc:AlternateContent xmlns:mc="http://schemas.openxmlformats.org/markup-compatibility/2006">
-        <mc:Choice xmlns:a14="http://schemas.microsoft.com/office/drawing/2010/main" Requires="a14">
+      <mc:AlternateContent xmlns:mc="http://schemas.openxmlformats.org/markup-compatibility/2006" xmlns:a14="http://schemas.microsoft.com/office/drawing/2010/main">
+        <mc:Choice Requires="a14">
           <p:sp>
             <p:nvSpPr>
               <p:cNvPr id="14" name="TextBox 13">
@@ -12203,7 +12203,7 @@
             </p:txBody>
           </p:sp>
         </mc:Choice>
-        <mc:Fallback>
+        <mc:Fallback xmlns="">
           <p:sp>
             <p:nvSpPr>
               <p:cNvPr id="14" name="TextBox 13">
@@ -12572,10 +12572,10 @@
       </p:sp>
       <p:pic>
         <p:nvPicPr>
-          <p:cNvPr id="15" name="Picture 14">
+          <p:cNvPr id="10" name="Picture 9">
             <a:extLst>
               <a:ext uri="{FF2B5EF4-FFF2-40B4-BE49-F238E27FC236}">
-                <a16:creationId xmlns:a16="http://schemas.microsoft.com/office/drawing/2014/main" id="{F53C87D0-12CC-4CD9-A93B-016190822231}"/>
+                <a16:creationId xmlns:a16="http://schemas.microsoft.com/office/drawing/2014/main" id="{172397FE-B3D6-45FD-9C31-D53891A8BAE7}"/>
               </a:ext>
             </a:extLst>
           </p:cNvPr>
@@ -12592,8 +12592,8 @@
         </p:blipFill>
         <p:spPr>
           <a:xfrm>
-            <a:off x="29846157" y="7475172"/>
-            <a:ext cx="5776445" cy="2745035"/>
+            <a:off x="29988803" y="7276741"/>
+            <a:ext cx="5633799" cy="2920611"/>
           </a:xfrm>
           <a:prstGeom prst="rect">
             <a:avLst/>
@@ -12602,10 +12602,10 @@
       </p:pic>
       <p:pic>
         <p:nvPicPr>
-          <p:cNvPr id="29" name="Picture 28">
+          <p:cNvPr id="20" name="Picture 19">
             <a:extLst>
               <a:ext uri="{FF2B5EF4-FFF2-40B4-BE49-F238E27FC236}">
-                <a16:creationId xmlns:a16="http://schemas.microsoft.com/office/drawing/2014/main" id="{3668C0A5-D21B-4A64-91C7-91E3F4866415}"/>
+                <a16:creationId xmlns:a16="http://schemas.microsoft.com/office/drawing/2014/main" id="{F9CDC267-35B2-4C1D-AE93-D52B42BD5513}"/>
               </a:ext>
             </a:extLst>
           </p:cNvPr>
@@ -12622,46 +12622,16 @@
         </p:blipFill>
         <p:spPr>
           <a:xfrm>
-            <a:off x="29988803" y="11479595"/>
-            <a:ext cx="5633799" cy="2893808"/>
+            <a:off x="36717514" y="7265660"/>
+            <a:ext cx="5485975" cy="3045160"/>
           </a:xfrm>
           <a:prstGeom prst="rect">
             <a:avLst/>
           </a:prstGeom>
         </p:spPr>
       </p:pic>
-      <p:pic>
-        <p:nvPicPr>
-          <p:cNvPr id="32" name="Picture 31">
-            <a:extLst>
-              <a:ext uri="{FF2B5EF4-FFF2-40B4-BE49-F238E27FC236}">
-                <a16:creationId xmlns:a16="http://schemas.microsoft.com/office/drawing/2014/main" id="{5E6877EE-8900-4166-BE0A-42570FC7191A}"/>
-              </a:ext>
-            </a:extLst>
-          </p:cNvPr>
-          <p:cNvPicPr>
-            <a:picLocks noChangeAspect="1"/>
-          </p:cNvPicPr>
-          <p:nvPr/>
-        </p:nvPicPr>
-        <p:blipFill>
-          <a:blip r:embed="rId30"/>
-          <a:stretch>
-            <a:fillRect/>
-          </a:stretch>
-        </p:blipFill>
-        <p:spPr>
-          <a:xfrm>
-            <a:off x="36446094" y="7158981"/>
-            <a:ext cx="5776445" cy="2823219"/>
-          </a:xfrm>
-          <a:prstGeom prst="rect">
-            <a:avLst/>
-          </a:prstGeom>
-        </p:spPr>
-      </p:pic>
-      <mc:AlternateContent xmlns:mc="http://schemas.openxmlformats.org/markup-compatibility/2006">
-        <mc:Choice xmlns:a14="http://schemas.microsoft.com/office/drawing/2010/main" Requires="a14">
+      <mc:AlternateContent xmlns:mc="http://schemas.openxmlformats.org/markup-compatibility/2006" xmlns:a14="http://schemas.microsoft.com/office/drawing/2010/main">
+        <mc:Choice Requires="a14">
           <p:sp>
             <p:nvSpPr>
               <p:cNvPr id="88" name="TextBox 87">
@@ -12772,7 +12742,7 @@
             </p:txBody>
           </p:sp>
         </mc:Choice>
-        <mc:Fallback>
+        <mc:Fallback xmlns="">
           <p:sp>
             <p:nvSpPr>
               <p:cNvPr id="88" name="TextBox 87">
@@ -12824,10 +12794,10 @@
       </mc:AlternateContent>
       <p:pic>
         <p:nvPicPr>
-          <p:cNvPr id="33" name="Picture 32">
+          <p:cNvPr id="26" name="Picture 25">
             <a:extLst>
               <a:ext uri="{FF2B5EF4-FFF2-40B4-BE49-F238E27FC236}">
-                <a16:creationId xmlns:a16="http://schemas.microsoft.com/office/drawing/2014/main" id="{202879CC-9700-4EB8-8732-EED38A1B4791}"/>
+                <a16:creationId xmlns:a16="http://schemas.microsoft.com/office/drawing/2014/main" id="{987BDC86-0FCC-4823-9308-1E9460AB2FD2}"/>
               </a:ext>
             </a:extLst>
           </p:cNvPr>
@@ -12844,8 +12814,38 @@
         </p:blipFill>
         <p:spPr>
           <a:xfrm>
-            <a:off x="36717514" y="11416255"/>
-            <a:ext cx="5485975" cy="2983950"/>
+            <a:off x="29870400" y="11416256"/>
+            <a:ext cx="5633799" cy="2983950"/>
+          </a:xfrm>
+          <a:prstGeom prst="rect">
+            <a:avLst/>
+          </a:prstGeom>
+        </p:spPr>
+      </p:pic>
+      <p:pic>
+        <p:nvPicPr>
+          <p:cNvPr id="31" name="Picture 30">
+            <a:extLst>
+              <a:ext uri="{FF2B5EF4-FFF2-40B4-BE49-F238E27FC236}">
+                <a16:creationId xmlns:a16="http://schemas.microsoft.com/office/drawing/2014/main" id="{CEB81FBC-BAB6-4669-A989-5A293A08E562}"/>
+              </a:ext>
+            </a:extLst>
+          </p:cNvPr>
+          <p:cNvPicPr>
+            <a:picLocks noChangeAspect="1"/>
+          </p:cNvPicPr>
+          <p:nvPr/>
+        </p:nvPicPr>
+        <p:blipFill>
+          <a:blip r:embed="rId33"/>
+          <a:stretch>
+            <a:fillRect/>
+          </a:stretch>
+        </p:blipFill>
+        <p:spPr>
+          <a:xfrm>
+            <a:off x="36717514" y="11479594"/>
+            <a:ext cx="5485976" cy="2983951"/>
           </a:xfrm>
           <a:prstGeom prst="rect">
             <a:avLst/>
@@ -12868,13 +12868,15 @@
             </p:nvSpPr>
             <p:spPr>
               <a:xfrm>
-                <a:off x="34013597" y="11057692"/>
-                <a:ext cx="4142865" cy="677108"/>
+                <a:off x="34195538" y="11054637"/>
+                <a:ext cx="3778983" cy="677108"/>
               </a:xfrm>
               <a:prstGeom prst="rect">
                 <a:avLst/>
               </a:prstGeom>
-              <a:noFill/>
+              <a:solidFill>
+                <a:schemeClr val="bg1"/>
+              </a:solidFill>
               <a:ln>
                 <a:solidFill>
                   <a:schemeClr val="accent1"/>
@@ -12954,7 +12956,7 @@
                         <a:rPr lang="en-US" sz="3800" b="0" i="1" smtClean="0">
                           <a:latin typeface="Cambria Math" panose="02040503050406030204" pitchFamily="18" charset="0"/>
                         </a:rPr>
-                        <m:t>=−2</m:t>
+                        <m:t>=2</m:t>
                       </m:r>
                     </m:oMath>
                   </m:oMathPara>
@@ -12981,14 +12983,14 @@
             </p:nvSpPr>
             <p:spPr>
               <a:xfrm>
-                <a:off x="34013597" y="11057692"/>
-                <a:ext cx="4142865" cy="677108"/>
+                <a:off x="34195538" y="11054637"/>
+                <a:ext cx="3778983" cy="677108"/>
               </a:xfrm>
               <a:prstGeom prst="rect">
                 <a:avLst/>
               </a:prstGeom>
               <a:blipFill>
-                <a:blip r:embed="rId33"/>
+                <a:blip r:embed="rId34"/>
                 <a:stretch>
                   <a:fillRect/>
                 </a:stretch>

--- a/Meeting Docs/UROC Poster.pptx
+++ b/Meeting Docs/UROC Poster.pptx
@@ -238,7 +238,7 @@
           <a:p>
             <a:fld id="{48AE12B5-53C1-4BA7-8E19-021B2F3459A2}" type="datetimeFigureOut">
               <a:rPr lang="en-US" smtClean="0"/>
-              <a:t>8/6/2019</a:t>
+              <a:t>8/7/2019</a:t>
             </a:fld>
             <a:endParaRPr lang="en-US"/>
           </a:p>
@@ -5176,7 +5176,7 @@
               <a:rPr lang="en-US" sz="3800" dirty="0">
                 <a:cs typeface="Times New Roman" panose="02020603050405020304" pitchFamily="18" charset="0"/>
               </a:rPr>
-              <a:t>We use boundary integral equation methods to compute the solution in layered boundaries, and we implement in Python an approximation using the periodic trapezoid (PTR) and the Kress Quadrature.</a:t>
+              <a:t>We use boundary integral equation methods to compute the solution in layered boundaries, and we implement in Python an approximation using the periodic trapezoid rule (PTR) and the Kress Quadrature.</a:t>
             </a:r>
             <a:r>
               <a:rPr lang="en-US" sz="3800" baseline="30000" dirty="0">
@@ -11830,7 +11830,7 @@
             </a:r>
             <a:r>
               <a:rPr lang="en-US" sz="2800" dirty="0"/>
-              <a:t> The log plot of the error between the PTR solution and the exact solution shown. There is a  significant increase in error around the defined boundary.  The reason is because we compute nearly singular intervals.</a:t>
+              <a:t> The log plot of the error between the PTR solution and the exact solution shown. There is a  significant increase in error around the defined boundary.  The reason is because we compute nearly singular integrals.</a:t>
             </a:r>
             <a:endParaRPr lang="en-US" sz="2800" b="1" dirty="0"/>
           </a:p>
@@ -12852,8 +12852,8 @@
           </a:prstGeom>
         </p:spPr>
       </p:pic>
-      <mc:AlternateContent xmlns:mc="http://schemas.openxmlformats.org/markup-compatibility/2006">
-        <mc:Choice xmlns:a14="http://schemas.microsoft.com/office/drawing/2010/main" Requires="a14">
+      <mc:AlternateContent xmlns:mc="http://schemas.openxmlformats.org/markup-compatibility/2006" xmlns:a14="http://schemas.microsoft.com/office/drawing/2010/main">
+        <mc:Choice Requires="a14">
           <p:sp>
             <p:nvSpPr>
               <p:cNvPr id="76" name="TextBox 75">
@@ -12966,7 +12966,7 @@
             </p:txBody>
           </p:sp>
         </mc:Choice>
-        <mc:Fallback>
+        <mc:Fallback xmlns="">
           <p:sp>
             <p:nvSpPr>
               <p:cNvPr id="76" name="TextBox 75">
